--- a/figures.pptx
+++ b/figures.pptx
@@ -105,6 +105,11 @@
       </a:defRPr>
     </a:lvl9pPr>
   </p:defaultTextStyle>
+  <p:extLst>
+    <p:ext uri="{EFAFB233-063F-42B5-8137-9DF3F51BA10A}">
+      <p15:sldGuideLst xmlns:p15="http://schemas.microsoft.com/office/powerpoint/2012/main"/>
+    </p:ext>
+  </p:extLst>
 </p:presentation>
 </file>
 
@@ -255,7 +260,7 @@
           <a:p>
             <a:fld id="{38097626-B54A-4B6F-B79F-48C82A40AFE7}" type="datetimeFigureOut">
               <a:rPr lang="en-US" smtClean="0"/>
-              <a:t>7/12/2023</a:t>
+              <a:t>7/14/2023</a:t>
             </a:fld>
             <a:endParaRPr lang="en-US"/>
           </a:p>
@@ -453,7 +458,7 @@
           <a:p>
             <a:fld id="{38097626-B54A-4B6F-B79F-48C82A40AFE7}" type="datetimeFigureOut">
               <a:rPr lang="en-US" smtClean="0"/>
-              <a:t>7/12/2023</a:t>
+              <a:t>7/14/2023</a:t>
             </a:fld>
             <a:endParaRPr lang="en-US"/>
           </a:p>
@@ -661,7 +666,7 @@
           <a:p>
             <a:fld id="{38097626-B54A-4B6F-B79F-48C82A40AFE7}" type="datetimeFigureOut">
               <a:rPr lang="en-US" smtClean="0"/>
-              <a:t>7/12/2023</a:t>
+              <a:t>7/14/2023</a:t>
             </a:fld>
             <a:endParaRPr lang="en-US"/>
           </a:p>
@@ -859,7 +864,7 @@
           <a:p>
             <a:fld id="{38097626-B54A-4B6F-B79F-48C82A40AFE7}" type="datetimeFigureOut">
               <a:rPr lang="en-US" smtClean="0"/>
-              <a:t>7/12/2023</a:t>
+              <a:t>7/14/2023</a:t>
             </a:fld>
             <a:endParaRPr lang="en-US"/>
           </a:p>
@@ -1134,7 +1139,7 @@
           <a:p>
             <a:fld id="{38097626-B54A-4B6F-B79F-48C82A40AFE7}" type="datetimeFigureOut">
               <a:rPr lang="en-US" smtClean="0"/>
-              <a:t>7/12/2023</a:t>
+              <a:t>7/14/2023</a:t>
             </a:fld>
             <a:endParaRPr lang="en-US"/>
           </a:p>
@@ -1399,7 +1404,7 @@
           <a:p>
             <a:fld id="{38097626-B54A-4B6F-B79F-48C82A40AFE7}" type="datetimeFigureOut">
               <a:rPr lang="en-US" smtClean="0"/>
-              <a:t>7/12/2023</a:t>
+              <a:t>7/14/2023</a:t>
             </a:fld>
             <a:endParaRPr lang="en-US"/>
           </a:p>
@@ -1811,7 +1816,7 @@
           <a:p>
             <a:fld id="{38097626-B54A-4B6F-B79F-48C82A40AFE7}" type="datetimeFigureOut">
               <a:rPr lang="en-US" smtClean="0"/>
-              <a:t>7/12/2023</a:t>
+              <a:t>7/14/2023</a:t>
             </a:fld>
             <a:endParaRPr lang="en-US"/>
           </a:p>
@@ -1952,7 +1957,7 @@
           <a:p>
             <a:fld id="{38097626-B54A-4B6F-B79F-48C82A40AFE7}" type="datetimeFigureOut">
               <a:rPr lang="en-US" smtClean="0"/>
-              <a:t>7/12/2023</a:t>
+              <a:t>7/14/2023</a:t>
             </a:fld>
             <a:endParaRPr lang="en-US"/>
           </a:p>
@@ -2065,7 +2070,7 @@
           <a:p>
             <a:fld id="{38097626-B54A-4B6F-B79F-48C82A40AFE7}" type="datetimeFigureOut">
               <a:rPr lang="en-US" smtClean="0"/>
-              <a:t>7/12/2023</a:t>
+              <a:t>7/14/2023</a:t>
             </a:fld>
             <a:endParaRPr lang="en-US"/>
           </a:p>
@@ -2376,7 +2381,7 @@
           <a:p>
             <a:fld id="{38097626-B54A-4B6F-B79F-48C82A40AFE7}" type="datetimeFigureOut">
               <a:rPr lang="en-US" smtClean="0"/>
-              <a:t>7/12/2023</a:t>
+              <a:t>7/14/2023</a:t>
             </a:fld>
             <a:endParaRPr lang="en-US"/>
           </a:p>
@@ -2664,7 +2669,7 @@
           <a:p>
             <a:fld id="{38097626-B54A-4B6F-B79F-48C82A40AFE7}" type="datetimeFigureOut">
               <a:rPr lang="en-US" smtClean="0"/>
-              <a:t>7/12/2023</a:t>
+              <a:t>7/14/2023</a:t>
             </a:fld>
             <a:endParaRPr lang="en-US"/>
           </a:p>
@@ -2905,7 +2910,7 @@
           <a:p>
             <a:fld id="{38097626-B54A-4B6F-B79F-48C82A40AFE7}" type="datetimeFigureOut">
               <a:rPr lang="en-US" smtClean="0"/>
-              <a:t>7/12/2023</a:t>
+              <a:t>7/14/2023</a:t>
             </a:fld>
             <a:endParaRPr lang="en-US"/>
           </a:p>
@@ -3322,6 +3327,58 @@
           <a:chExt cx="0" cy="0"/>
         </a:xfrm>
       </p:grpSpPr>
+      <p:sp>
+        <p:nvSpPr>
+          <p:cNvPr id="12" name="Rectangle 11">
+            <a:extLst>
+              <a:ext uri="{FF2B5EF4-FFF2-40B4-BE49-F238E27FC236}">
+                <a16:creationId xmlns:a16="http://schemas.microsoft.com/office/drawing/2014/main" id="{7C764A7B-9911-AB9F-8A70-8C20796601D9}"/>
+              </a:ext>
+            </a:extLst>
+          </p:cNvPr>
+          <p:cNvSpPr/>
+          <p:nvPr/>
+        </p:nvSpPr>
+        <p:spPr>
+          <a:xfrm>
+            <a:off x="-390525" y="6223479"/>
+            <a:ext cx="11049000" cy="1082196"/>
+          </a:xfrm>
+          <a:prstGeom prst="rect">
+            <a:avLst/>
+          </a:prstGeom>
+          <a:solidFill>
+            <a:schemeClr val="bg1"/>
+          </a:solidFill>
+          <a:ln>
+            <a:noFill/>
+          </a:ln>
+        </p:spPr>
+        <p:style>
+          <a:lnRef idx="2">
+            <a:schemeClr val="accent1">
+              <a:shade val="15000"/>
+            </a:schemeClr>
+          </a:lnRef>
+          <a:fillRef idx="1">
+            <a:schemeClr val="accent1"/>
+          </a:fillRef>
+          <a:effectRef idx="0">
+            <a:schemeClr val="accent1"/>
+          </a:effectRef>
+          <a:fontRef idx="minor">
+            <a:schemeClr val="lt1"/>
+          </a:fontRef>
+        </p:style>
+        <p:txBody>
+          <a:bodyPr rtlCol="0" anchor="ctr"/>
+          <a:lstStyle/>
+          <a:p>
+            <a:pPr algn="ctr"/>
+            <a:endParaRPr lang="en-US"/>
+          </a:p>
+        </p:txBody>
+      </p:sp>
       <p:pic>
         <p:nvPicPr>
           <p:cNvPr id="13" name="Picture 12">
@@ -3344,7 +3401,7 @@
         </p:blipFill>
         <p:spPr>
           <a:xfrm>
-            <a:off x="447042" y="929292"/>
+            <a:off x="120034" y="98665"/>
             <a:ext cx="4330915" cy="4572000"/>
           </a:xfrm>
           <a:prstGeom prst="rect">
@@ -3374,7 +3431,7 @@
         </p:blipFill>
         <p:spPr>
           <a:xfrm>
-            <a:off x="4914467" y="929292"/>
+            <a:off x="4587459" y="98665"/>
             <a:ext cx="2078839" cy="2194560"/>
           </a:xfrm>
           <a:prstGeom prst="rect">
@@ -3404,7 +3461,7 @@
         </p:blipFill>
         <p:spPr>
           <a:xfrm>
-            <a:off x="7129816" y="929292"/>
+            <a:off x="6802808" y="98665"/>
             <a:ext cx="2078839" cy="2194560"/>
           </a:xfrm>
           <a:prstGeom prst="rect">
@@ -3434,7 +3491,7 @@
         </p:blipFill>
         <p:spPr>
           <a:xfrm>
-            <a:off x="7129816" y="3306732"/>
+            <a:off x="6802808" y="2476105"/>
             <a:ext cx="2078839" cy="2194560"/>
           </a:xfrm>
           <a:prstGeom prst="rect">
@@ -3464,7 +3521,7 @@
         </p:blipFill>
         <p:spPr>
           <a:xfrm>
-            <a:off x="4914466" y="3306732"/>
+            <a:off x="4587458" y="2476105"/>
             <a:ext cx="2078839" cy="2194560"/>
           </a:xfrm>
           <a:prstGeom prst="rect">
@@ -3486,7 +3543,7 @@
         </p:nvSpPr>
         <p:spPr>
           <a:xfrm>
-            <a:off x="1656272" y="4684143"/>
+            <a:off x="1329264" y="3853516"/>
             <a:ext cx="1751162" cy="552091"/>
           </a:xfrm>
           <a:prstGeom prst="roundRect">
@@ -3535,7 +3592,7 @@
         </p:nvSpPr>
         <p:spPr>
           <a:xfrm>
-            <a:off x="5078305" y="2481532"/>
+            <a:off x="4751297" y="1650905"/>
             <a:ext cx="1751162" cy="552091"/>
           </a:xfrm>
           <a:prstGeom prst="roundRect">
@@ -3584,7 +3641,7 @@
         </p:nvSpPr>
         <p:spPr>
           <a:xfrm>
-            <a:off x="7293654" y="2481532"/>
+            <a:off x="6966646" y="1650905"/>
             <a:ext cx="1751162" cy="552091"/>
           </a:xfrm>
           <a:prstGeom prst="roundRect">
@@ -3633,7 +3690,7 @@
         </p:nvSpPr>
         <p:spPr>
           <a:xfrm>
-            <a:off x="5078304" y="4859547"/>
+            <a:off x="4751296" y="4028920"/>
             <a:ext cx="1751162" cy="552091"/>
           </a:xfrm>
           <a:prstGeom prst="roundRect">
@@ -3682,7 +3739,7 @@
         </p:nvSpPr>
         <p:spPr>
           <a:xfrm>
-            <a:off x="7293654" y="4859546"/>
+            <a:off x="6966646" y="4028919"/>
             <a:ext cx="1751162" cy="552091"/>
           </a:xfrm>
           <a:prstGeom prst="roundRect">
@@ -3713,6 +3770,224 @@
             <a:r>
               <a:rPr lang="en-US" dirty="0"/>
               <a:t>Pan</a:t>
+            </a:r>
+          </a:p>
+        </p:txBody>
+      </p:sp>
+      <p:pic>
+        <p:nvPicPr>
+          <p:cNvPr id="3" name="Picture 2">
+            <a:extLst>
+              <a:ext uri="{FF2B5EF4-FFF2-40B4-BE49-F238E27FC236}">
+                <a16:creationId xmlns:a16="http://schemas.microsoft.com/office/drawing/2014/main" id="{5D540085-B372-994A-FCDB-AC9F9A240B31}"/>
+              </a:ext>
+            </a:extLst>
+          </p:cNvPr>
+          <p:cNvPicPr>
+            <a:picLocks noChangeAspect="1"/>
+          </p:cNvPicPr>
+          <p:nvPr/>
+        </p:nvPicPr>
+        <p:blipFill>
+          <a:blip r:embed="rId7"/>
+          <a:stretch>
+            <a:fillRect/>
+          </a:stretch>
+        </p:blipFill>
+        <p:spPr>
+          <a:xfrm>
+            <a:off x="4587457" y="4765735"/>
+            <a:ext cx="2078839" cy="2194560"/>
+          </a:xfrm>
+          <a:prstGeom prst="rect">
+            <a:avLst/>
+          </a:prstGeom>
+        </p:spPr>
+      </p:pic>
+      <p:pic>
+        <p:nvPicPr>
+          <p:cNvPr id="5" name="Picture 4">
+            <a:extLst>
+              <a:ext uri="{FF2B5EF4-FFF2-40B4-BE49-F238E27FC236}">
+                <a16:creationId xmlns:a16="http://schemas.microsoft.com/office/drawing/2014/main" id="{5267FEE8-6B1E-59FF-DD09-12D059A8E8F8}"/>
+              </a:ext>
+            </a:extLst>
+          </p:cNvPr>
+          <p:cNvPicPr>
+            <a:picLocks noChangeAspect="1"/>
+          </p:cNvPicPr>
+          <p:nvPr/>
+        </p:nvPicPr>
+        <p:blipFill>
+          <a:blip r:embed="rId8"/>
+          <a:stretch>
+            <a:fillRect/>
+          </a:stretch>
+        </p:blipFill>
+        <p:spPr>
+          <a:xfrm>
+            <a:off x="6802808" y="4765735"/>
+            <a:ext cx="2078839" cy="2194560"/>
+          </a:xfrm>
+          <a:prstGeom prst="rect">
+            <a:avLst/>
+          </a:prstGeom>
+        </p:spPr>
+      </p:pic>
+      <p:pic>
+        <p:nvPicPr>
+          <p:cNvPr id="9" name="Picture 8">
+            <a:extLst>
+              <a:ext uri="{FF2B5EF4-FFF2-40B4-BE49-F238E27FC236}">
+                <a16:creationId xmlns:a16="http://schemas.microsoft.com/office/drawing/2014/main" id="{185087A7-755D-8CB5-E45F-C38419BB62F8}"/>
+              </a:ext>
+            </a:extLst>
+          </p:cNvPr>
+          <p:cNvPicPr>
+            <a:picLocks noChangeAspect="1"/>
+          </p:cNvPicPr>
+          <p:nvPr/>
+        </p:nvPicPr>
+        <p:blipFill>
+          <a:blip r:embed="rId9"/>
+          <a:stretch>
+            <a:fillRect/>
+          </a:stretch>
+        </p:blipFill>
+        <p:spPr>
+          <a:xfrm>
+            <a:off x="126006" y="4765735"/>
+            <a:ext cx="2078839" cy="2194560"/>
+          </a:xfrm>
+          <a:prstGeom prst="rect">
+            <a:avLst/>
+          </a:prstGeom>
+        </p:spPr>
+      </p:pic>
+      <p:pic>
+        <p:nvPicPr>
+          <p:cNvPr id="11" name="Picture 10">
+            <a:extLst>
+              <a:ext uri="{FF2B5EF4-FFF2-40B4-BE49-F238E27FC236}">
+                <a16:creationId xmlns:a16="http://schemas.microsoft.com/office/drawing/2014/main" id="{FBA9C4A5-96C3-5D62-5197-E0411625C064}"/>
+              </a:ext>
+            </a:extLst>
+          </p:cNvPr>
+          <p:cNvPicPr>
+            <a:picLocks noChangeAspect="1"/>
+          </p:cNvPicPr>
+          <p:nvPr/>
+        </p:nvPicPr>
+        <p:blipFill>
+          <a:blip r:embed="rId10"/>
+          <a:stretch>
+            <a:fillRect/>
+          </a:stretch>
+        </p:blipFill>
+        <p:spPr>
+          <a:xfrm>
+            <a:off x="2372110" y="4765735"/>
+            <a:ext cx="2078839" cy="2194560"/>
+          </a:xfrm>
+          <a:prstGeom prst="rect">
+            <a:avLst/>
+          </a:prstGeom>
+        </p:spPr>
+      </p:pic>
+      <p:sp>
+        <p:nvSpPr>
+          <p:cNvPr id="14" name="Rectangle: Rounded Corners 13">
+            <a:extLst>
+              <a:ext uri="{FF2B5EF4-FFF2-40B4-BE49-F238E27FC236}">
+                <a16:creationId xmlns:a16="http://schemas.microsoft.com/office/drawing/2014/main" id="{69700C69-64F5-46CD-D39B-11851CDEAE4D}"/>
+              </a:ext>
+            </a:extLst>
+          </p:cNvPr>
+          <p:cNvSpPr/>
+          <p:nvPr/>
+        </p:nvSpPr>
+        <p:spPr>
+          <a:xfrm>
+            <a:off x="285241" y="6304849"/>
+            <a:ext cx="4000499" cy="552091"/>
+          </a:xfrm>
+          <a:prstGeom prst="roundRect">
+            <a:avLst/>
+          </a:prstGeom>
+        </p:spPr>
+        <p:style>
+          <a:lnRef idx="2">
+            <a:schemeClr val="accent1">
+              <a:shade val="15000"/>
+            </a:schemeClr>
+          </a:lnRef>
+          <a:fillRef idx="1">
+            <a:schemeClr val="accent1"/>
+          </a:fillRef>
+          <a:effectRef idx="0">
+            <a:schemeClr val="accent1"/>
+          </a:effectRef>
+          <a:fontRef idx="minor">
+            <a:schemeClr val="lt1"/>
+          </a:fontRef>
+        </p:style>
+        <p:txBody>
+          <a:bodyPr rtlCol="0" anchor="ctr"/>
+          <a:lstStyle/>
+          <a:p>
+            <a:pPr algn="ctr"/>
+            <a:r>
+              <a:rPr lang="en-US" dirty="0"/>
+              <a:t>Increase/Decrease Contrast</a:t>
+            </a:r>
+          </a:p>
+        </p:txBody>
+      </p:sp>
+      <p:sp>
+        <p:nvSpPr>
+          <p:cNvPr id="16" name="Rectangle: Rounded Corners 15">
+            <a:extLst>
+              <a:ext uri="{FF2B5EF4-FFF2-40B4-BE49-F238E27FC236}">
+                <a16:creationId xmlns:a16="http://schemas.microsoft.com/office/drawing/2014/main" id="{4C91A75E-6023-7C4A-DD01-E1AA0B55BBBD}"/>
+              </a:ext>
+            </a:extLst>
+          </p:cNvPr>
+          <p:cNvSpPr/>
+          <p:nvPr/>
+        </p:nvSpPr>
+        <p:spPr>
+          <a:xfrm>
+            <a:off x="4734303" y="6304848"/>
+            <a:ext cx="4000499" cy="552091"/>
+          </a:xfrm>
+          <a:prstGeom prst="roundRect">
+            <a:avLst/>
+          </a:prstGeom>
+        </p:spPr>
+        <p:style>
+          <a:lnRef idx="2">
+            <a:schemeClr val="accent1">
+              <a:shade val="15000"/>
+            </a:schemeClr>
+          </a:lnRef>
+          <a:fillRef idx="1">
+            <a:schemeClr val="accent1"/>
+          </a:fillRef>
+          <a:effectRef idx="0">
+            <a:schemeClr val="accent1"/>
+          </a:effectRef>
+          <a:fontRef idx="minor">
+            <a:schemeClr val="lt1"/>
+          </a:fontRef>
+        </p:style>
+        <p:txBody>
+          <a:bodyPr rtlCol="0" anchor="ctr"/>
+          <a:lstStyle/>
+          <a:p>
+            <a:pPr algn="ctr"/>
+            <a:r>
+              <a:rPr lang="en-US" dirty="0"/>
+              <a:t>Increase/Decrease Brightness</a:t>
             </a:r>
           </a:p>
         </p:txBody>
